--- a/symfony/ext/forum/BIENVENUE A LA PRESENTATION DE MON PROJET.pptx
+++ b/symfony/ext/forum/BIENVENUE A LA PRESENTATION DE MON PROJET.pptx
@@ -219,7 +219,7 @@
           <a:p>
             <a:fld id="{3219D865-8328-4392-A150-24B3D9810BAB}" type="datetimeFigureOut">
               <a:rPr lang="fr-FR" smtClean="0"/>
-              <a:t>25/03/2019</a:t>
+              <a:t>26/03/2019</a:t>
             </a:fld>
             <a:endParaRPr lang="fr-FR"/>
           </a:p>
@@ -657,7 +657,7 @@
           <a:p>
             <a:fld id="{48A87A34-81AB-432B-8DAE-1953F412C126}" type="datetimeFigureOut">
               <a:rPr lang="en-US" dirty="0"/>
-              <a:t>3/25/2019</a:t>
+              <a:t>3/26/2019</a:t>
             </a:fld>
             <a:endParaRPr lang="en-US" dirty="0"/>
           </a:p>
@@ -919,7 +919,7 @@
           <a:p>
             <a:fld id="{48A87A34-81AB-432B-8DAE-1953F412C126}" type="datetimeFigureOut">
               <a:rPr lang="en-US" dirty="0"/>
-              <a:t>3/25/2019</a:t>
+              <a:t>3/26/2019</a:t>
             </a:fld>
             <a:endParaRPr lang="en-US" dirty="0"/>
           </a:p>
@@ -1146,7 +1146,7 @@
             <a:fld id="{48A87A34-81AB-432B-8DAE-1953F412C126}" type="datetimeFigureOut">
               <a:rPr lang="en-US" dirty="0"/>
               <a:pPr/>
-              <a:t>3/25/2019</a:t>
+              <a:t>3/26/2019</a:t>
             </a:fld>
             <a:endParaRPr lang="en-US" dirty="0"/>
           </a:p>
@@ -1452,7 +1452,7 @@
             <a:fld id="{48A87A34-81AB-432B-8DAE-1953F412C126}" type="datetimeFigureOut">
               <a:rPr lang="en-US" dirty="0"/>
               <a:pPr/>
-              <a:t>3/25/2019</a:t>
+              <a:t>3/26/2019</a:t>
             </a:fld>
             <a:endParaRPr lang="en-US" dirty="0"/>
           </a:p>
@@ -1921,7 +1921,7 @@
             <a:fld id="{48A87A34-81AB-432B-8DAE-1953F412C126}" type="datetimeFigureOut">
               <a:rPr lang="en-US" dirty="0"/>
               <a:pPr/>
-              <a:t>3/25/2019</a:t>
+              <a:t>3/26/2019</a:t>
             </a:fld>
             <a:endParaRPr lang="en-US" dirty="0"/>
           </a:p>
@@ -2463,7 +2463,7 @@
           <a:p>
             <a:fld id="{48A87A34-81AB-432B-8DAE-1953F412C126}" type="datetimeFigureOut">
               <a:rPr lang="en-US" dirty="0"/>
-              <a:t>3/25/2019</a:t>
+              <a:t>3/26/2019</a:t>
             </a:fld>
             <a:endParaRPr lang="en-US" dirty="0"/>
           </a:p>
@@ -3232,7 +3232,7 @@
           <a:p>
             <a:fld id="{48A87A34-81AB-432B-8DAE-1953F412C126}" type="datetimeFigureOut">
               <a:rPr lang="en-US" dirty="0"/>
-              <a:t>3/25/2019</a:t>
+              <a:t>3/26/2019</a:t>
             </a:fld>
             <a:endParaRPr lang="en-US" dirty="0"/>
           </a:p>
@@ -3402,7 +3402,7 @@
           <a:p>
             <a:fld id="{48A87A34-81AB-432B-8DAE-1953F412C126}" type="datetimeFigureOut">
               <a:rPr lang="en-US" dirty="0"/>
-              <a:t>3/25/2019</a:t>
+              <a:t>3/26/2019</a:t>
             </a:fld>
             <a:endParaRPr lang="en-US" dirty="0"/>
           </a:p>
@@ -3621,7 +3621,7 @@
             <a:fld id="{48A87A34-81AB-432B-8DAE-1953F412C126}" type="datetimeFigureOut">
               <a:rPr lang="en-US" dirty="0"/>
               <a:pPr/>
-              <a:t>3/25/2019</a:t>
+              <a:t>3/26/2019</a:t>
             </a:fld>
             <a:endParaRPr lang="en-US" dirty="0"/>
           </a:p>
@@ -3796,7 +3796,7 @@
           <a:p>
             <a:fld id="{48A87A34-81AB-432B-8DAE-1953F412C126}" type="datetimeFigureOut">
               <a:rPr lang="en-US" dirty="0"/>
-              <a:t>3/25/2019</a:t>
+              <a:t>3/26/2019</a:t>
             </a:fld>
             <a:endParaRPr lang="en-US" dirty="0"/>
           </a:p>
@@ -4081,7 +4081,7 @@
             <a:fld id="{48A87A34-81AB-432B-8DAE-1953F412C126}" type="datetimeFigureOut">
               <a:rPr lang="en-US" dirty="0"/>
               <a:pPr/>
-              <a:t>3/25/2019</a:t>
+              <a:t>3/26/2019</a:t>
             </a:fld>
             <a:endParaRPr lang="en-US" dirty="0"/>
           </a:p>
@@ -4318,7 +4318,7 @@
           <a:p>
             <a:fld id="{48A87A34-81AB-432B-8DAE-1953F412C126}" type="datetimeFigureOut">
               <a:rPr lang="en-US" dirty="0"/>
-              <a:t>3/25/2019</a:t>
+              <a:t>3/26/2019</a:t>
             </a:fld>
             <a:endParaRPr lang="en-US" dirty="0"/>
           </a:p>
@@ -4692,7 +4692,7 @@
           <a:p>
             <a:fld id="{48A87A34-81AB-432B-8DAE-1953F412C126}" type="datetimeFigureOut">
               <a:rPr lang="en-US" dirty="0"/>
-              <a:t>3/25/2019</a:t>
+              <a:t>3/26/2019</a:t>
             </a:fld>
             <a:endParaRPr lang="en-US" dirty="0"/>
           </a:p>
@@ -4805,7 +4805,7 @@
           <a:p>
             <a:fld id="{48A87A34-81AB-432B-8DAE-1953F412C126}" type="datetimeFigureOut">
               <a:rPr lang="en-US" dirty="0"/>
-              <a:t>3/25/2019</a:t>
+              <a:t>3/26/2019</a:t>
             </a:fld>
             <a:endParaRPr lang="en-US" dirty="0"/>
           </a:p>
@@ -4895,7 +4895,7 @@
           <a:p>
             <a:fld id="{48A87A34-81AB-432B-8DAE-1953F412C126}" type="datetimeFigureOut">
               <a:rPr lang="en-US" dirty="0"/>
-              <a:t>3/25/2019</a:t>
+              <a:t>3/26/2019</a:t>
             </a:fld>
             <a:endParaRPr lang="en-US" dirty="0"/>
           </a:p>
@@ -5139,7 +5139,7 @@
           <a:p>
             <a:fld id="{48A87A34-81AB-432B-8DAE-1953F412C126}" type="datetimeFigureOut">
               <a:rPr lang="en-US" dirty="0"/>
-              <a:t>3/25/2019</a:t>
+              <a:t>3/26/2019</a:t>
             </a:fld>
             <a:endParaRPr lang="en-US" dirty="0"/>
           </a:p>
@@ -5391,7 +5391,7 @@
           <a:p>
             <a:fld id="{48A87A34-81AB-432B-8DAE-1953F412C126}" type="datetimeFigureOut">
               <a:rPr lang="en-US" dirty="0"/>
-              <a:t>3/25/2019</a:t>
+              <a:t>3/26/2019</a:t>
             </a:fld>
             <a:endParaRPr lang="en-US" dirty="0"/>
           </a:p>
@@ -5630,7 +5630,7 @@
             <a:fld id="{48A87A34-81AB-432B-8DAE-1953F412C126}" type="datetimeFigureOut">
               <a:rPr lang="en-US" dirty="0"/>
               <a:pPr/>
-              <a:t>3/25/2019</a:t>
+              <a:t>3/26/2019</a:t>
             </a:fld>
             <a:endParaRPr lang="en-US" dirty="0"/>
           </a:p>
@@ -6082,13 +6082,13 @@
   <p:clrMapOvr>
     <a:masterClrMapping/>
   </p:clrMapOvr>
-  <mc:AlternateContent xmlns:mc="http://schemas.openxmlformats.org/markup-compatibility/2006">
-    <mc:Choice xmlns:p14="http://schemas.microsoft.com/office/powerpoint/2010/main" Requires="p14">
+  <mc:AlternateContent xmlns:mc="http://schemas.openxmlformats.org/markup-compatibility/2006" xmlns:p14="http://schemas.microsoft.com/office/powerpoint/2010/main">
+    <mc:Choice Requires="p14">
       <p:transition spd="slow" p14:dur="4000" advClick="0" advTm="2000">
         <p14:vortex dir="u"/>
       </p:transition>
     </mc:Choice>
-    <mc:Fallback>
+    <mc:Fallback xmlns="">
       <p:transition spd="slow" advClick="0" advTm="2000">
         <p:fade/>
       </p:transition>
@@ -7000,13 +7000,13 @@
   <p:clrMapOvr>
     <a:masterClrMapping/>
   </p:clrMapOvr>
-  <mc:AlternateContent xmlns:mc="http://schemas.openxmlformats.org/markup-compatibility/2006">
-    <mc:Choice xmlns:p14="http://schemas.microsoft.com/office/powerpoint/2010/main" Requires="p14">
+  <mc:AlternateContent xmlns:mc="http://schemas.openxmlformats.org/markup-compatibility/2006" xmlns:p14="http://schemas.microsoft.com/office/powerpoint/2010/main">
+    <mc:Choice Requires="p14">
       <p:transition spd="slow" p14:dur="1400" advClick="0" advTm="3000">
         <p14:reveal/>
       </p:transition>
     </mc:Choice>
-    <mc:Fallback>
+    <mc:Fallback xmlns="">
       <p:transition spd="slow" advClick="0" advTm="3000">
         <p:fade/>
       </p:transition>
@@ -7790,7 +7790,7 @@
         </p:nvSpPr>
         <p:spPr>
           <a:xfrm>
-            <a:off x="3195435" y="2433435"/>
+            <a:off x="2406540" y="2496188"/>
             <a:ext cx="7697355" cy="1938992"/>
           </a:xfrm>
           <a:prstGeom prst="rect">
@@ -7804,6 +7804,7 @@
           </a:bodyPr>
           <a:lstStyle/>
           <a:p>
+            <a:pPr algn="ctr"/>
             <a:r>
               <a:rPr lang="fr-FR" sz="6000" dirty="0" smtClean="0">
                 <a:latin typeface="Algerian" panose="04020705040A02060702" pitchFamily="82" charset="0"/>
